--- a/Assets/assets/pptx/game-set.pptx
+++ b/Assets/assets/pptx/game-set.pptx
@@ -10,8 +10,6 @@
     <p:sldId id="260" r:id="rId4"/>
     <p:sldId id="259" r:id="rId5"/>
     <p:sldId id="258" r:id="rId6"/>
-    <p:sldId id="261" r:id="rId7"/>
-    <p:sldId id="262" r:id="rId8"/>
   </p:sldIdLst>
   <p:sldSz cx="12192000" cy="6858000"/>
   <p:notesSz cx="6858000" cy="9144000"/>
@@ -265,7 +263,7 @@
           <a:p>
             <a:fld id="{DD6CBD53-91F0-4FCF-9BD8-4C872E30D331}" type="datetimeFigureOut">
               <a:rPr lang="ko-KR" altLang="en-US" smtClean="0"/>
-              <a:t>2021-07-31</a:t>
+              <a:t>2021-08-08</a:t>
             </a:fld>
             <a:endParaRPr lang="ko-KR" altLang="en-US"/>
           </a:p>
@@ -463,7 +461,7 @@
           <a:p>
             <a:fld id="{DD6CBD53-91F0-4FCF-9BD8-4C872E30D331}" type="datetimeFigureOut">
               <a:rPr lang="ko-KR" altLang="en-US" smtClean="0"/>
-              <a:t>2021-07-31</a:t>
+              <a:t>2021-08-08</a:t>
             </a:fld>
             <a:endParaRPr lang="ko-KR" altLang="en-US"/>
           </a:p>
@@ -671,7 +669,7 @@
           <a:p>
             <a:fld id="{DD6CBD53-91F0-4FCF-9BD8-4C872E30D331}" type="datetimeFigureOut">
               <a:rPr lang="ko-KR" altLang="en-US" smtClean="0"/>
-              <a:t>2021-07-31</a:t>
+              <a:t>2021-08-08</a:t>
             </a:fld>
             <a:endParaRPr lang="ko-KR" altLang="en-US"/>
           </a:p>
@@ -869,7 +867,7 @@
           <a:p>
             <a:fld id="{DD6CBD53-91F0-4FCF-9BD8-4C872E30D331}" type="datetimeFigureOut">
               <a:rPr lang="ko-KR" altLang="en-US" smtClean="0"/>
-              <a:t>2021-07-31</a:t>
+              <a:t>2021-08-08</a:t>
             </a:fld>
             <a:endParaRPr lang="ko-KR" altLang="en-US"/>
           </a:p>
@@ -1144,7 +1142,7 @@
           <a:p>
             <a:fld id="{DD6CBD53-91F0-4FCF-9BD8-4C872E30D331}" type="datetimeFigureOut">
               <a:rPr lang="ko-KR" altLang="en-US" smtClean="0"/>
-              <a:t>2021-07-31</a:t>
+              <a:t>2021-08-08</a:t>
             </a:fld>
             <a:endParaRPr lang="ko-KR" altLang="en-US"/>
           </a:p>
@@ -1409,7 +1407,7 @@
           <a:p>
             <a:fld id="{DD6CBD53-91F0-4FCF-9BD8-4C872E30D331}" type="datetimeFigureOut">
               <a:rPr lang="ko-KR" altLang="en-US" smtClean="0"/>
-              <a:t>2021-07-31</a:t>
+              <a:t>2021-08-08</a:t>
             </a:fld>
             <a:endParaRPr lang="ko-KR" altLang="en-US"/>
           </a:p>
@@ -1821,7 +1819,7 @@
           <a:p>
             <a:fld id="{DD6CBD53-91F0-4FCF-9BD8-4C872E30D331}" type="datetimeFigureOut">
               <a:rPr lang="ko-KR" altLang="en-US" smtClean="0"/>
-              <a:t>2021-07-31</a:t>
+              <a:t>2021-08-08</a:t>
             </a:fld>
             <a:endParaRPr lang="ko-KR" altLang="en-US"/>
           </a:p>
@@ -1962,7 +1960,7 @@
           <a:p>
             <a:fld id="{DD6CBD53-91F0-4FCF-9BD8-4C872E30D331}" type="datetimeFigureOut">
               <a:rPr lang="ko-KR" altLang="en-US" smtClean="0"/>
-              <a:t>2021-07-31</a:t>
+              <a:t>2021-08-08</a:t>
             </a:fld>
             <a:endParaRPr lang="ko-KR" altLang="en-US"/>
           </a:p>
@@ -2075,7 +2073,7 @@
           <a:p>
             <a:fld id="{DD6CBD53-91F0-4FCF-9BD8-4C872E30D331}" type="datetimeFigureOut">
               <a:rPr lang="ko-KR" altLang="en-US" smtClean="0"/>
-              <a:t>2021-07-31</a:t>
+              <a:t>2021-08-08</a:t>
             </a:fld>
             <a:endParaRPr lang="ko-KR" altLang="en-US"/>
           </a:p>
@@ -2386,7 +2384,7 @@
           <a:p>
             <a:fld id="{DD6CBD53-91F0-4FCF-9BD8-4C872E30D331}" type="datetimeFigureOut">
               <a:rPr lang="ko-KR" altLang="en-US" smtClean="0"/>
-              <a:t>2021-07-31</a:t>
+              <a:t>2021-08-08</a:t>
             </a:fld>
             <a:endParaRPr lang="ko-KR" altLang="en-US"/>
           </a:p>
@@ -2674,7 +2672,7 @@
           <a:p>
             <a:fld id="{DD6CBD53-91F0-4FCF-9BD8-4C872E30D331}" type="datetimeFigureOut">
               <a:rPr lang="ko-KR" altLang="en-US" smtClean="0"/>
-              <a:t>2021-07-31</a:t>
+              <a:t>2021-08-08</a:t>
             </a:fld>
             <a:endParaRPr lang="ko-KR" altLang="en-US"/>
           </a:p>
@@ -2915,7 +2913,7 @@
           <a:p>
             <a:fld id="{DD6CBD53-91F0-4FCF-9BD8-4C872E30D331}" type="datetimeFigureOut">
               <a:rPr lang="ko-KR" altLang="en-US" smtClean="0"/>
-              <a:t>2021-07-31</a:t>
+              <a:t>2021-08-08</a:t>
             </a:fld>
             <a:endParaRPr lang="ko-KR" altLang="en-US"/>
           </a:p>
@@ -8082,7 +8080,7 @@
         </p:nvSpPr>
         <p:spPr>
           <a:xfrm>
-            <a:off x="1578926" y="5282716"/>
+            <a:off x="1578926" y="5370698"/>
             <a:ext cx="1459550" cy="428625"/>
           </a:xfrm>
           <a:prstGeom prst="roundRect">
@@ -8118,7 +8116,7 @@
             <a:pPr algn="ctr"/>
             <a:r>
               <a:rPr kumimoji="1" lang="en-US" altLang="en-US" sz="1400" dirty="0"/>
-              <a:t>Set!</a:t>
+              <a:t>None!</a:t>
             </a:r>
           </a:p>
         </p:txBody>
@@ -8189,7 +8187,7 @@
         </p:nvGrpSpPr>
         <p:grpSpPr>
           <a:xfrm>
-            <a:off x="900857" y="1680798"/>
+            <a:off x="900857" y="1768780"/>
             <a:ext cx="1266318" cy="1266318"/>
             <a:chOff x="1057835" y="403411"/>
             <a:chExt cx="1183342" cy="1183342"/>
@@ -8321,7 +8319,7 @@
         </p:nvGrpSpPr>
         <p:grpSpPr>
           <a:xfrm>
-            <a:off x="2534940" y="1671765"/>
+            <a:off x="2534940" y="1759747"/>
             <a:ext cx="1265324" cy="1265324"/>
             <a:chOff x="3657600" y="2393576"/>
             <a:chExt cx="1183342" cy="1183342"/>
@@ -8455,7 +8453,7 @@
         </p:nvGrpSpPr>
         <p:grpSpPr>
           <a:xfrm>
-            <a:off x="896576" y="3413238"/>
+            <a:off x="896576" y="3501220"/>
             <a:ext cx="1265324" cy="1265324"/>
             <a:chOff x="1057835" y="4383741"/>
             <a:chExt cx="1183342" cy="1183342"/>
@@ -8585,7 +8583,7 @@
         </p:nvGrpSpPr>
         <p:grpSpPr>
           <a:xfrm>
-            <a:off x="2529726" y="3391576"/>
+            <a:off x="2529726" y="3479558"/>
             <a:ext cx="1265324" cy="1265324"/>
             <a:chOff x="6257365" y="4383741"/>
             <a:chExt cx="1183342" cy="1183342"/>
@@ -8715,7 +8713,7 @@
         </p:nvSpPr>
         <p:spPr>
           <a:xfrm>
-            <a:off x="5011831" y="488326"/>
+            <a:off x="5110443" y="596267"/>
             <a:ext cx="6343650" cy="3416320"/>
           </a:xfrm>
           <a:prstGeom prst="rect">
@@ -8849,42 +8847,12 @@
           </a:p>
         </p:txBody>
       </p:sp>
-    </p:spTree>
-    <p:extLst>
-      <p:ext uri="{BB962C8B-B14F-4D97-AF65-F5344CB8AC3E}">
-        <p14:creationId xmlns:p14="http://schemas.microsoft.com/office/powerpoint/2010/main" val="2786942105"/>
-      </p:ext>
-    </p:extLst>
-  </p:cSld>
-  <p:clrMapOvr>
-    <a:masterClrMapping/>
-  </p:clrMapOvr>
-</p:sld>
-</file>
-
-<file path=ppt/slides/slide6.xml><?xml version="1.0" encoding="utf-8"?>
-<p:sld xmlns:a="http://schemas.openxmlformats.org/drawingml/2006/main" xmlns:r="http://schemas.openxmlformats.org/officeDocument/2006/relationships" xmlns:p="http://schemas.openxmlformats.org/presentationml/2006/main">
-  <p:cSld>
-    <p:spTree>
-      <p:nvGrpSpPr>
-        <p:cNvPr id="1" name=""/>
-        <p:cNvGrpSpPr/>
-        <p:nvPr/>
-      </p:nvGrpSpPr>
-      <p:grpSpPr>
-        <a:xfrm>
-          <a:off x="0" y="0"/>
-          <a:ext cx="0" cy="0"/>
-          <a:chOff x="0" y="0"/>
-          <a:chExt cx="0" cy="0"/>
-        </a:xfrm>
-      </p:grpSpPr>
       <p:sp>
         <p:nvSpPr>
-          <p:cNvPr id="151" name="TextBox 150">
-            <a:extLst>
-              <a:ext uri="{FF2B5EF4-FFF2-40B4-BE49-F238E27FC236}">
-                <a16:creationId xmlns:a16="http://schemas.microsoft.com/office/drawing/2014/main" id="{4759C785-D287-46F1-A9D2-DBF2C579BDD6}"/>
+          <p:cNvPr id="3" name="TextBox 2">
+            <a:extLst>
+              <a:ext uri="{FF2B5EF4-FFF2-40B4-BE49-F238E27FC236}">
+                <a16:creationId xmlns:a16="http://schemas.microsoft.com/office/drawing/2014/main" id="{3E322EED-83AA-4875-AD89-33CD3BED6518}"/>
               </a:ext>
             </a:extLst>
           </p:cNvPr>
@@ -8893,8 +8861,8 @@
         </p:nvSpPr>
         <p:spPr>
           <a:xfrm>
-            <a:off x="753596" y="335926"/>
-            <a:ext cx="6343650" cy="923330"/>
+            <a:off x="4715136" y="4518824"/>
+            <a:ext cx="2761727" cy="1754326"/>
           </a:xfrm>
           <a:prstGeom prst="rect">
             <a:avLst/>
@@ -8909,62 +8877,86 @@
           <a:p>
             <a:r>
               <a:rPr lang="ko-KR" altLang="en-US" dirty="0"/>
-              <a:t>로직</a:t>
+              <a:t>옵션</a:t>
             </a:r>
             <a:r>
               <a:rPr lang="en-US" altLang="ko-KR" dirty="0"/>
-              <a:t>: </a:t>
+              <a:t>:</a:t>
+            </a:r>
+          </a:p>
+          <a:p>
+            <a:r>
+              <a:rPr lang="en-US" altLang="ko-KR" dirty="0"/>
+              <a:t>1. </a:t>
             </a:r>
             <a:r>
               <a:rPr lang="ko-KR" altLang="en-US" dirty="0"/>
-              <a:t>모두 다른 속성</a:t>
+              <a:t>무지성으로 타일을 제공할 것인가</a:t>
             </a:r>
             <a:endParaRPr lang="en-US" altLang="ko-KR" dirty="0"/>
           </a:p>
           <a:p>
-            <a:endParaRPr lang="en-US" altLang="ko-KR" dirty="0"/>
-          </a:p>
-          <a:p>
-            <a:endParaRPr lang="ko-KR" altLang="en-US" dirty="0"/>
+            <a:r>
+              <a:rPr lang="en-US" altLang="ko-KR" dirty="0"/>
+              <a:t>2. </a:t>
+            </a:r>
+            <a:r>
+              <a:rPr lang="ko-KR" altLang="en-US" dirty="0"/>
+              <a:t>로직을 잘 짜서 무조건 정답이 존재하게 할 것인가</a:t>
+            </a:r>
           </a:p>
         </p:txBody>
       </p:sp>
-    </p:spTree>
-    <p:extLst>
-      <p:ext uri="{BB962C8B-B14F-4D97-AF65-F5344CB8AC3E}">
-        <p14:creationId xmlns:p14="http://schemas.microsoft.com/office/powerpoint/2010/main" val="2990041680"/>
-      </p:ext>
-    </p:extLst>
-  </p:cSld>
-  <p:clrMapOvr>
-    <a:masterClrMapping/>
-  </p:clrMapOvr>
-</p:sld>
-</file>
-
-<file path=ppt/slides/slide7.xml><?xml version="1.0" encoding="utf-8"?>
-<p:sld xmlns:a="http://schemas.openxmlformats.org/drawingml/2006/main" xmlns:r="http://schemas.openxmlformats.org/officeDocument/2006/relationships" xmlns:p="http://schemas.openxmlformats.org/presentationml/2006/main">
-  <p:cSld>
-    <p:spTree>
-      <p:nvGrpSpPr>
-        <p:cNvPr id="1" name=""/>
-        <p:cNvGrpSpPr/>
-        <p:nvPr/>
-      </p:nvGrpSpPr>
-      <p:grpSpPr>
-        <a:xfrm>
-          <a:off x="0" y="0"/>
-          <a:ext cx="0" cy="0"/>
-          <a:chOff x="0" y="0"/>
-          <a:chExt cx="0" cy="0"/>
-        </a:xfrm>
-      </p:grpSpPr>
+      <p:cxnSp>
+        <p:nvCxnSpPr>
+          <p:cNvPr id="11" name="직선 화살표 연결선 10">
+            <a:extLst>
+              <a:ext uri="{FF2B5EF4-FFF2-40B4-BE49-F238E27FC236}">
+                <a16:creationId xmlns:a16="http://schemas.microsoft.com/office/drawing/2014/main" id="{FF5F6BFC-CA3C-4758-A17B-F417C38EF198}"/>
+              </a:ext>
+            </a:extLst>
+          </p:cNvPr>
+          <p:cNvCxnSpPr>
+            <a:stCxn id="3" idx="3"/>
+          </p:cNvCxnSpPr>
+          <p:nvPr/>
+        </p:nvCxnSpPr>
+        <p:spPr>
+          <a:xfrm flipV="1">
+            <a:off x="7476863" y="5370698"/>
+            <a:ext cx="995680" cy="25289"/>
+          </a:xfrm>
+          <a:prstGeom prst="straightConnector1">
+            <a:avLst/>
+          </a:prstGeom>
+          <a:ln w="57150">
+            <a:solidFill>
+              <a:schemeClr val="tx1"/>
+            </a:solidFill>
+            <a:tailEnd type="triangle"/>
+          </a:ln>
+        </p:spPr>
+        <p:style>
+          <a:lnRef idx="1">
+            <a:schemeClr val="accent1"/>
+          </a:lnRef>
+          <a:fillRef idx="0">
+            <a:schemeClr val="accent1"/>
+          </a:fillRef>
+          <a:effectRef idx="0">
+            <a:schemeClr val="accent1"/>
+          </a:effectRef>
+          <a:fontRef idx="minor">
+            <a:schemeClr val="tx1"/>
+          </a:fontRef>
+        </p:style>
+      </p:cxnSp>
       <p:sp>
         <p:nvSpPr>
-          <p:cNvPr id="151" name="TextBox 150">
-            <a:extLst>
-              <a:ext uri="{FF2B5EF4-FFF2-40B4-BE49-F238E27FC236}">
-                <a16:creationId xmlns:a16="http://schemas.microsoft.com/office/drawing/2014/main" id="{4759C785-D287-46F1-A9D2-DBF2C579BDD6}"/>
+          <p:cNvPr id="12" name="TextBox 11">
+            <a:extLst>
+              <a:ext uri="{FF2B5EF4-FFF2-40B4-BE49-F238E27FC236}">
+                <a16:creationId xmlns:a16="http://schemas.microsoft.com/office/drawing/2014/main" id="{05F4B34D-543C-49C7-B894-B4975A784483}"/>
               </a:ext>
             </a:extLst>
           </p:cNvPr>
@@ -8973,8 +8965,8 @@
         </p:nvSpPr>
         <p:spPr>
           <a:xfrm>
-            <a:off x="753596" y="335926"/>
-            <a:ext cx="6343650" cy="369332"/>
+            <a:off x="8472543" y="4875993"/>
+            <a:ext cx="3180080" cy="923330"/>
           </a:xfrm>
           <a:prstGeom prst="rect">
             <a:avLst/>
@@ -8989,15 +8981,30 @@
           <a:p>
             <a:r>
               <a:rPr lang="ko-KR" altLang="en-US" dirty="0"/>
-              <a:t>모두 다른 속성</a:t>
-            </a:r>
+              <a:t>정답</a:t>
+            </a:r>
+            <a:r>
+              <a:rPr lang="en-US" altLang="ko-KR" dirty="0"/>
+              <a:t>!</a:t>
+            </a:r>
+          </a:p>
+          <a:p>
+            <a:r>
+              <a:rPr lang="ko-KR" altLang="en-US" dirty="0"/>
+              <a:t>배열에 모든 정답을 때려 넣는다</a:t>
+            </a:r>
+            <a:r>
+              <a:rPr lang="en-US" altLang="ko-KR" dirty="0"/>
+              <a:t>! QED</a:t>
+            </a:r>
+            <a:endParaRPr lang="ko-KR" altLang="en-US" dirty="0"/>
           </a:p>
         </p:txBody>
       </p:sp>
     </p:spTree>
     <p:extLst>
       <p:ext uri="{BB962C8B-B14F-4D97-AF65-F5344CB8AC3E}">
-        <p14:creationId xmlns:p14="http://schemas.microsoft.com/office/powerpoint/2010/main" val="277060580"/>
+        <p14:creationId xmlns:p14="http://schemas.microsoft.com/office/powerpoint/2010/main" val="2786942105"/>
       </p:ext>
     </p:extLst>
   </p:cSld>
